--- a/assets/img/math/pb/about_gaussian/about_gaussian.pptx
+++ b/assets/img/math/pb/about_gaussian/about_gaussian.pptx
@@ -5566,8 +5566,8 @@
                 </a:fontRef>
               </p:style>
             </p:cxnSp>
-            <mc:AlternateContent xmlns:mc="http://schemas.openxmlformats.org/markup-compatibility/2006">
-              <mc:Choice xmlns:a14="http://schemas.microsoft.com/office/drawing/2010/main" Requires="a14">
+            <mc:AlternateContent xmlns:mc="http://schemas.openxmlformats.org/markup-compatibility/2006" xmlns:a14="http://schemas.microsoft.com/office/drawing/2010/main">
+              <mc:Choice Requires="a14">
                 <p:sp>
                   <p:nvSpPr>
                     <p:cNvPr id="14" name="TextBox 13">
@@ -5617,7 +5617,7 @@
                   </p:txBody>
                 </p:sp>
               </mc:Choice>
-              <mc:Fallback>
+              <mc:Fallback xmlns="">
                 <p:sp>
                   <p:nvSpPr>
                     <p:cNvPr id="14" name="TextBox 13">
@@ -5662,8 +5662,8 @@
                 </p:sp>
               </mc:Fallback>
             </mc:AlternateContent>
-            <mc:AlternateContent xmlns:mc="http://schemas.openxmlformats.org/markup-compatibility/2006">
-              <mc:Choice xmlns:a14="http://schemas.microsoft.com/office/drawing/2010/main" Requires="a14">
+            <mc:AlternateContent xmlns:mc="http://schemas.openxmlformats.org/markup-compatibility/2006" xmlns:a14="http://schemas.microsoft.com/office/drawing/2010/main">
+              <mc:Choice Requires="a14">
                 <p:sp>
                   <p:nvSpPr>
                     <p:cNvPr id="17" name="TextBox 16">
@@ -5719,7 +5719,7 @@
                   </p:txBody>
                 </p:sp>
               </mc:Choice>
-              <mc:Fallback>
+              <mc:Fallback xmlns="">
                 <p:sp>
                   <p:nvSpPr>
                     <p:cNvPr id="17" name="TextBox 16">
@@ -5805,8 +5805,8 @@
                 </a:fontRef>
               </p:style>
             </p:cxnSp>
-            <mc:AlternateContent xmlns:mc="http://schemas.openxmlformats.org/markup-compatibility/2006">
-              <mc:Choice xmlns:a14="http://schemas.microsoft.com/office/drawing/2010/main" Requires="a14">
+            <mc:AlternateContent xmlns:mc="http://schemas.openxmlformats.org/markup-compatibility/2006" xmlns:a14="http://schemas.microsoft.com/office/drawing/2010/main">
+              <mc:Choice Requires="a14">
                 <p:sp>
                   <p:nvSpPr>
                     <p:cNvPr id="30" name="TextBox 29">
@@ -5859,7 +5859,7 @@
                   </p:txBody>
                 </p:sp>
               </mc:Choice>
-              <mc:Fallback>
+              <mc:Fallback xmlns="">
                 <p:sp>
                   <p:nvSpPr>
                     <p:cNvPr id="30" name="TextBox 29">
@@ -5904,8 +5904,8 @@
                 </p:sp>
               </mc:Fallback>
             </mc:AlternateContent>
-            <mc:AlternateContent xmlns:mc="http://schemas.openxmlformats.org/markup-compatibility/2006">
-              <mc:Choice xmlns:a14="http://schemas.microsoft.com/office/drawing/2010/main" Requires="a14">
+            <mc:AlternateContent xmlns:mc="http://schemas.openxmlformats.org/markup-compatibility/2006" xmlns:a14="http://schemas.microsoft.com/office/drawing/2010/main">
+              <mc:Choice Requires="a14">
                 <p:sp>
                   <p:nvSpPr>
                     <p:cNvPr id="32" name="TextBox 31">
@@ -5971,7 +5971,7 @@
                   </p:txBody>
                 </p:sp>
               </mc:Choice>
-              <mc:Fallback>
+              <mc:Fallback xmlns="">
                 <p:sp>
                   <p:nvSpPr>
                     <p:cNvPr id="32" name="TextBox 31">
@@ -6120,8 +6120,8 @@
               </a:fontRef>
             </p:style>
           </p:cxnSp>
-          <mc:AlternateContent xmlns:mc="http://schemas.openxmlformats.org/markup-compatibility/2006">
-            <mc:Choice xmlns:a14="http://schemas.microsoft.com/office/drawing/2010/main" Requires="a14">
+          <mc:AlternateContent xmlns:mc="http://schemas.openxmlformats.org/markup-compatibility/2006" xmlns:a14="http://schemas.microsoft.com/office/drawing/2010/main">
+            <mc:Choice Requires="a14">
               <p:sp>
                 <p:nvSpPr>
                   <p:cNvPr id="45" name="TextBox 44">
@@ -6171,7 +6171,7 @@
                 </p:txBody>
               </p:sp>
             </mc:Choice>
-            <mc:Fallback>
+            <mc:Fallback xmlns="">
               <p:sp>
                 <p:nvSpPr>
                   <p:cNvPr id="45" name="TextBox 44">
@@ -6296,8 +6296,8 @@
               </a:fontRef>
             </p:style>
           </p:cxnSp>
-          <mc:AlternateContent xmlns:mc="http://schemas.openxmlformats.org/markup-compatibility/2006">
-            <mc:Choice xmlns:a14="http://schemas.microsoft.com/office/drawing/2010/main" Requires="a14">
+          <mc:AlternateContent xmlns:mc="http://schemas.openxmlformats.org/markup-compatibility/2006" xmlns:a14="http://schemas.microsoft.com/office/drawing/2010/main">
+            <mc:Choice Requires="a14">
               <p:sp>
                 <p:nvSpPr>
                   <p:cNvPr id="55" name="TextBox 54">
@@ -6347,7 +6347,7 @@
                 </p:txBody>
               </p:sp>
             </mc:Choice>
-            <mc:Fallback>
+            <mc:Fallback xmlns="">
               <p:sp>
                 <p:nvSpPr>
                   <p:cNvPr id="55" name="TextBox 54">
@@ -6472,8 +6472,8 @@
               </a:fontRef>
             </p:style>
           </p:cxnSp>
-          <mc:AlternateContent xmlns:mc="http://schemas.openxmlformats.org/markup-compatibility/2006">
-            <mc:Choice xmlns:a14="http://schemas.microsoft.com/office/drawing/2010/main" Requires="a14">
+          <mc:AlternateContent xmlns:mc="http://schemas.openxmlformats.org/markup-compatibility/2006" xmlns:a14="http://schemas.microsoft.com/office/drawing/2010/main">
+            <mc:Choice Requires="a14">
               <p:sp>
                 <p:nvSpPr>
                   <p:cNvPr id="58" name="TextBox 57">
@@ -6535,7 +6535,7 @@
                 </p:txBody>
               </p:sp>
             </mc:Choice>
-            <mc:Fallback>
+            <mc:Fallback xmlns="">
               <p:sp>
                 <p:nvSpPr>
                   <p:cNvPr id="58" name="TextBox 57">
@@ -6580,8 +6580,8 @@
               </p:sp>
             </mc:Fallback>
           </mc:AlternateContent>
-          <mc:AlternateContent xmlns:mc="http://schemas.openxmlformats.org/markup-compatibility/2006">
-            <mc:Choice xmlns:a14="http://schemas.microsoft.com/office/drawing/2010/main" Requires="a14">
+          <mc:AlternateContent xmlns:mc="http://schemas.openxmlformats.org/markup-compatibility/2006" xmlns:a14="http://schemas.microsoft.com/office/drawing/2010/main">
+            <mc:Choice Requires="a14">
               <p:sp>
                 <p:nvSpPr>
                   <p:cNvPr id="59" name="TextBox 58">
@@ -6643,7 +6643,7 @@
                 </p:txBody>
               </p:sp>
             </mc:Choice>
-            <mc:Fallback>
+            <mc:Fallback xmlns="">
               <p:sp>
                 <p:nvSpPr>
                   <p:cNvPr id="59" name="TextBox 58">
@@ -6688,8 +6688,8 @@
               </p:sp>
             </mc:Fallback>
           </mc:AlternateContent>
-          <mc:AlternateContent xmlns:mc="http://schemas.openxmlformats.org/markup-compatibility/2006">
-            <mc:Choice xmlns:a14="http://schemas.microsoft.com/office/drawing/2010/main" Requires="a14">
+          <mc:AlternateContent xmlns:mc="http://schemas.openxmlformats.org/markup-compatibility/2006" xmlns:a14="http://schemas.microsoft.com/office/drawing/2010/main">
+            <mc:Choice Requires="a14">
               <p:sp>
                 <p:nvSpPr>
                   <p:cNvPr id="60" name="TextBox 59">
@@ -6739,7 +6739,7 @@
                 </p:txBody>
               </p:sp>
             </mc:Choice>
-            <mc:Fallback>
+            <mc:Fallback xmlns="">
               <p:sp>
                 <p:nvSpPr>
                   <p:cNvPr id="60" name="TextBox 59">
@@ -6784,8 +6784,8 @@
               </p:sp>
             </mc:Fallback>
           </mc:AlternateContent>
-          <mc:AlternateContent xmlns:mc="http://schemas.openxmlformats.org/markup-compatibility/2006">
-            <mc:Choice xmlns:a14="http://schemas.microsoft.com/office/drawing/2010/main" Requires="a14">
+          <mc:AlternateContent xmlns:mc="http://schemas.openxmlformats.org/markup-compatibility/2006" xmlns:a14="http://schemas.microsoft.com/office/drawing/2010/main">
+            <mc:Choice Requires="a14">
               <p:sp>
                 <p:nvSpPr>
                   <p:cNvPr id="61" name="TextBox 60">
@@ -6835,7 +6835,7 @@
                 </p:txBody>
               </p:sp>
             </mc:Choice>
-            <mc:Fallback>
+            <mc:Fallback xmlns="">
               <p:sp>
                 <p:nvSpPr>
                   <p:cNvPr id="61" name="TextBox 60">
@@ -7228,6 +7228,64 @@
           </a:p>
         </p:txBody>
       </p:sp>
+      <p:pic>
+        <p:nvPicPr>
+          <p:cNvPr id="5" name="그림 4">
+            <a:extLst>
+              <a:ext uri="{FF2B5EF4-FFF2-40B4-BE49-F238E27FC236}">
+                <a16:creationId xmlns:a16="http://schemas.microsoft.com/office/drawing/2014/main" id="{5910509A-B56E-4044-85E5-92771DB10224}"/>
+              </a:ext>
+            </a:extLst>
+          </p:cNvPr>
+          <p:cNvPicPr>
+            <a:picLocks noChangeAspect="1"/>
+          </p:cNvPicPr>
+          <p:nvPr/>
+        </p:nvPicPr>
+        <p:blipFill rotWithShape="1">
+          <a:blip r:embed="rId4"/>
+          <a:srcRect l="53380" b="17452"/>
+          <a:stretch/>
+        </p:blipFill>
+        <p:spPr>
+          <a:xfrm>
+            <a:off x="758408" y="3295946"/>
+            <a:ext cx="2776799" cy="2360253"/>
+          </a:xfrm>
+          <a:prstGeom prst="rect">
+            <a:avLst/>
+          </a:prstGeom>
+        </p:spPr>
+      </p:pic>
+      <p:pic>
+        <p:nvPicPr>
+          <p:cNvPr id="7" name="그림 6">
+            <a:extLst>
+              <a:ext uri="{FF2B5EF4-FFF2-40B4-BE49-F238E27FC236}">
+                <a16:creationId xmlns:a16="http://schemas.microsoft.com/office/drawing/2014/main" id="{839D3ECC-C686-4E1B-B8E1-A83041DACB8A}"/>
+              </a:ext>
+            </a:extLst>
+          </p:cNvPr>
+          <p:cNvPicPr>
+            <a:picLocks noChangeAspect="1"/>
+          </p:cNvPicPr>
+          <p:nvPr/>
+        </p:nvPicPr>
+        <p:blipFill rotWithShape="1">
+          <a:blip r:embed="rId4"/>
+          <a:srcRect l="80203" t="6201" r="10315" b="75927"/>
+          <a:stretch/>
+        </p:blipFill>
+        <p:spPr>
+          <a:xfrm>
+            <a:off x="4200562" y="3429000"/>
+            <a:ext cx="1999130" cy="1808737"/>
+          </a:xfrm>
+          <a:prstGeom prst="rect">
+            <a:avLst/>
+          </a:prstGeom>
+        </p:spPr>
+      </p:pic>
     </p:spTree>
     <p:extLst>
       <p:ext uri="{BB962C8B-B14F-4D97-AF65-F5344CB8AC3E}">
